--- a/classes/stats2016/Lecture07.pptx
+++ b/classes/stats2016/Lecture07.pptx
@@ -143,6 +143,22 @@
       </a:defRPr>
     </a:lvl9pPr>
   </p:defaultTextStyle>
+  <p:extLst>
+    <p:ext uri="{EFAFB233-063F-42B5-8137-9DF3F51BA10A}">
+      <p15:sldGuideLst xmlns:p15="http://schemas.microsoft.com/office/powerpoint/2012/main">
+        <p15:guide id="1" orient="horz" pos="2160">
+          <p15:clr>
+            <a:srgbClr val="A4A3A4"/>
+          </p15:clr>
+        </p15:guide>
+        <p15:guide id="2" pos="2880">
+          <p15:clr>
+            <a:srgbClr val="A4A3A4"/>
+          </p15:clr>
+        </p15:guide>
+      </p15:sldGuideLst>
+    </p:ext>
+  </p:extLst>
 </p:presentation>
 </file>
 
@@ -229,7 +245,7 @@
             <a:fld id="{EED6FE97-C8F6-414A-BAD9-185DD18CF7E9}" type="datetimeFigureOut">
               <a:rPr lang="en-US" smtClean="0"/>
               <a:pPr/>
-              <a:t>2/9/2015</a:t>
+              <a:t>2/7/2016</a:t>
             </a:fld>
             <a:endParaRPr lang="en-US"/>
           </a:p>
@@ -398,6 +414,11 @@
         </p:txBody>
       </p:sp>
     </p:spTree>
+    <p:extLst>
+      <p:ext uri="{BB962C8B-B14F-4D97-AF65-F5344CB8AC3E}">
+        <p14:creationId xmlns:p14="http://schemas.microsoft.com/office/powerpoint/2010/main" val="4111086449"/>
+      </p:ext>
+    </p:extLst>
   </p:cSld>
   <p:clrMap bg1="lt1" tx1="dk1" bg2="lt2" tx2="dk2" accent1="accent1" accent2="accent2" accent3="accent3" accent4="accent4" accent5="accent5" accent6="accent6" hlink="hlink" folHlink="folHlink"/>
   <p:notesStyle>
@@ -570,6 +591,11 @@
         </p:txBody>
       </p:sp>
     </p:spTree>
+    <p:extLst>
+      <p:ext uri="{BB962C8B-B14F-4D97-AF65-F5344CB8AC3E}">
+        <p14:creationId xmlns:p14="http://schemas.microsoft.com/office/powerpoint/2010/main" val="1754910721"/>
+      </p:ext>
+    </p:extLst>
   </p:cSld>
   <p:clrMapOvr>
     <a:masterClrMapping/>
@@ -652,6 +678,11 @@
         </p:txBody>
       </p:sp>
     </p:spTree>
+    <p:extLst>
+      <p:ext uri="{BB962C8B-B14F-4D97-AF65-F5344CB8AC3E}">
+        <p14:creationId xmlns:p14="http://schemas.microsoft.com/office/powerpoint/2010/main" val="2225552556"/>
+      </p:ext>
+    </p:extLst>
   </p:cSld>
   <p:clrMapOvr>
     <a:masterClrMapping/>
@@ -734,6 +765,11 @@
         </p:txBody>
       </p:sp>
     </p:spTree>
+    <p:extLst>
+      <p:ext uri="{BB962C8B-B14F-4D97-AF65-F5344CB8AC3E}">
+        <p14:creationId xmlns:p14="http://schemas.microsoft.com/office/powerpoint/2010/main" val="165890050"/>
+      </p:ext>
+    </p:extLst>
   </p:cSld>
   <p:clrMapOvr>
     <a:masterClrMapping/>
@@ -816,6 +852,11 @@
         </p:txBody>
       </p:sp>
     </p:spTree>
+    <p:extLst>
+      <p:ext uri="{BB962C8B-B14F-4D97-AF65-F5344CB8AC3E}">
+        <p14:creationId xmlns:p14="http://schemas.microsoft.com/office/powerpoint/2010/main" val="587590675"/>
+      </p:ext>
+    </p:extLst>
   </p:cSld>
   <p:clrMapOvr>
     <a:masterClrMapping/>
@@ -898,6 +939,11 @@
         </p:txBody>
       </p:sp>
     </p:spTree>
+    <p:extLst>
+      <p:ext uri="{BB962C8B-B14F-4D97-AF65-F5344CB8AC3E}">
+        <p14:creationId xmlns:p14="http://schemas.microsoft.com/office/powerpoint/2010/main" val="2805625264"/>
+      </p:ext>
+    </p:extLst>
   </p:cSld>
   <p:clrMapOvr>
     <a:masterClrMapping/>
@@ -980,6 +1026,11 @@
         </p:txBody>
       </p:sp>
     </p:spTree>
+    <p:extLst>
+      <p:ext uri="{BB962C8B-B14F-4D97-AF65-F5344CB8AC3E}">
+        <p14:creationId xmlns:p14="http://schemas.microsoft.com/office/powerpoint/2010/main" val="1239064743"/>
+      </p:ext>
+    </p:extLst>
   </p:cSld>
   <p:clrMapOvr>
     <a:masterClrMapping/>
@@ -1062,6 +1113,11 @@
         </p:txBody>
       </p:sp>
     </p:spTree>
+    <p:extLst>
+      <p:ext uri="{BB962C8B-B14F-4D97-AF65-F5344CB8AC3E}">
+        <p14:creationId xmlns:p14="http://schemas.microsoft.com/office/powerpoint/2010/main" val="1267862515"/>
+      </p:ext>
+    </p:extLst>
   </p:cSld>
   <p:clrMapOvr>
     <a:masterClrMapping/>
@@ -1144,6 +1200,11 @@
         </p:txBody>
       </p:sp>
     </p:spTree>
+    <p:extLst>
+      <p:ext uri="{BB962C8B-B14F-4D97-AF65-F5344CB8AC3E}">
+        <p14:creationId xmlns:p14="http://schemas.microsoft.com/office/powerpoint/2010/main" val="1505806352"/>
+      </p:ext>
+    </p:extLst>
   </p:cSld>
   <p:clrMapOvr>
     <a:masterClrMapping/>
@@ -1226,6 +1287,11 @@
         </p:txBody>
       </p:sp>
     </p:spTree>
+    <p:extLst>
+      <p:ext uri="{BB962C8B-B14F-4D97-AF65-F5344CB8AC3E}">
+        <p14:creationId xmlns:p14="http://schemas.microsoft.com/office/powerpoint/2010/main" val="4280598399"/>
+      </p:ext>
+    </p:extLst>
   </p:cSld>
   <p:clrMapOvr>
     <a:masterClrMapping/>
@@ -1308,6 +1374,11 @@
         </p:txBody>
       </p:sp>
     </p:spTree>
+    <p:extLst>
+      <p:ext uri="{BB962C8B-B14F-4D97-AF65-F5344CB8AC3E}">
+        <p14:creationId xmlns:p14="http://schemas.microsoft.com/office/powerpoint/2010/main" val="523439959"/>
+      </p:ext>
+    </p:extLst>
   </p:cSld>
   <p:clrMapOvr>
     <a:masterClrMapping/>
@@ -1390,6 +1461,11 @@
         </p:txBody>
       </p:sp>
     </p:spTree>
+    <p:extLst>
+      <p:ext uri="{BB962C8B-B14F-4D97-AF65-F5344CB8AC3E}">
+        <p14:creationId xmlns:p14="http://schemas.microsoft.com/office/powerpoint/2010/main" val="641278775"/>
+      </p:ext>
+    </p:extLst>
   </p:cSld>
   <p:clrMapOvr>
     <a:masterClrMapping/>
@@ -1472,6 +1548,11 @@
         </p:txBody>
       </p:sp>
     </p:spTree>
+    <p:extLst>
+      <p:ext uri="{BB962C8B-B14F-4D97-AF65-F5344CB8AC3E}">
+        <p14:creationId xmlns:p14="http://schemas.microsoft.com/office/powerpoint/2010/main" val="39897550"/>
+      </p:ext>
+    </p:extLst>
   </p:cSld>
   <p:clrMapOvr>
     <a:masterClrMapping/>
@@ -1554,6 +1635,11 @@
         </p:txBody>
       </p:sp>
     </p:spTree>
+    <p:extLst>
+      <p:ext uri="{BB962C8B-B14F-4D97-AF65-F5344CB8AC3E}">
+        <p14:creationId xmlns:p14="http://schemas.microsoft.com/office/powerpoint/2010/main" val="2194894167"/>
+      </p:ext>
+    </p:extLst>
   </p:cSld>
   <p:clrMapOvr>
     <a:masterClrMapping/>
@@ -1636,6 +1722,11 @@
         </p:txBody>
       </p:sp>
     </p:spTree>
+    <p:extLst>
+      <p:ext uri="{BB962C8B-B14F-4D97-AF65-F5344CB8AC3E}">
+        <p14:creationId xmlns:p14="http://schemas.microsoft.com/office/powerpoint/2010/main" val="1545760458"/>
+      </p:ext>
+    </p:extLst>
   </p:cSld>
   <p:clrMapOvr>
     <a:masterClrMapping/>
@@ -1718,6 +1809,11 @@
         </p:txBody>
       </p:sp>
     </p:spTree>
+    <p:extLst>
+      <p:ext uri="{BB962C8B-B14F-4D97-AF65-F5344CB8AC3E}">
+        <p14:creationId xmlns:p14="http://schemas.microsoft.com/office/powerpoint/2010/main" val="3759168343"/>
+      </p:ext>
+    </p:extLst>
   </p:cSld>
   <p:clrMapOvr>
     <a:masterClrMapping/>
@@ -1800,6 +1896,11 @@
         </p:txBody>
       </p:sp>
     </p:spTree>
+    <p:extLst>
+      <p:ext uri="{BB962C8B-B14F-4D97-AF65-F5344CB8AC3E}">
+        <p14:creationId xmlns:p14="http://schemas.microsoft.com/office/powerpoint/2010/main" val="4253895869"/>
+      </p:ext>
+    </p:extLst>
   </p:cSld>
   <p:clrMapOvr>
     <a:masterClrMapping/>
@@ -1882,6 +1983,11 @@
         </p:txBody>
       </p:sp>
     </p:spTree>
+    <p:extLst>
+      <p:ext uri="{BB962C8B-B14F-4D97-AF65-F5344CB8AC3E}">
+        <p14:creationId xmlns:p14="http://schemas.microsoft.com/office/powerpoint/2010/main" val="943159736"/>
+      </p:ext>
+    </p:extLst>
   </p:cSld>
   <p:clrMapOvr>
     <a:masterClrMapping/>
@@ -1964,6 +2070,11 @@
         </p:txBody>
       </p:sp>
     </p:spTree>
+    <p:extLst>
+      <p:ext uri="{BB962C8B-B14F-4D97-AF65-F5344CB8AC3E}">
+        <p14:creationId xmlns:p14="http://schemas.microsoft.com/office/powerpoint/2010/main" val="3862316437"/>
+      </p:ext>
+    </p:extLst>
   </p:cSld>
   <p:clrMapOvr>
     <a:masterClrMapping/>
@@ -2046,6 +2157,11 @@
         </p:txBody>
       </p:sp>
     </p:spTree>
+    <p:extLst>
+      <p:ext uri="{BB962C8B-B14F-4D97-AF65-F5344CB8AC3E}">
+        <p14:creationId xmlns:p14="http://schemas.microsoft.com/office/powerpoint/2010/main" val="2058054880"/>
+      </p:ext>
+    </p:extLst>
   </p:cSld>
   <p:clrMapOvr>
     <a:masterClrMapping/>
@@ -2128,6 +2244,11 @@
         </p:txBody>
       </p:sp>
     </p:spTree>
+    <p:extLst>
+      <p:ext uri="{BB962C8B-B14F-4D97-AF65-F5344CB8AC3E}">
+        <p14:creationId xmlns:p14="http://schemas.microsoft.com/office/powerpoint/2010/main" val="4076544901"/>
+      </p:ext>
+    </p:extLst>
   </p:cSld>
   <p:clrMapOvr>
     <a:masterClrMapping/>
@@ -2210,6 +2331,11 @@
         </p:txBody>
       </p:sp>
     </p:spTree>
+    <p:extLst>
+      <p:ext uri="{BB962C8B-B14F-4D97-AF65-F5344CB8AC3E}">
+        <p14:creationId xmlns:p14="http://schemas.microsoft.com/office/powerpoint/2010/main" val="97708107"/>
+      </p:ext>
+    </p:extLst>
   </p:cSld>
   <p:clrMapOvr>
     <a:masterClrMapping/>
@@ -2292,6 +2418,11 @@
         </p:txBody>
       </p:sp>
     </p:spTree>
+    <p:extLst>
+      <p:ext uri="{BB962C8B-B14F-4D97-AF65-F5344CB8AC3E}">
+        <p14:creationId xmlns:p14="http://schemas.microsoft.com/office/powerpoint/2010/main" val="1538018392"/>
+      </p:ext>
+    </p:extLst>
   </p:cSld>
   <p:clrMapOvr>
     <a:masterClrMapping/>
@@ -2374,6 +2505,11 @@
         </p:txBody>
       </p:sp>
     </p:spTree>
+    <p:extLst>
+      <p:ext uri="{BB962C8B-B14F-4D97-AF65-F5344CB8AC3E}">
+        <p14:creationId xmlns:p14="http://schemas.microsoft.com/office/powerpoint/2010/main" val="3181096510"/>
+      </p:ext>
+    </p:extLst>
   </p:cSld>
   <p:clrMapOvr>
     <a:masterClrMapping/>
@@ -2456,6 +2592,11 @@
         </p:txBody>
       </p:sp>
     </p:spTree>
+    <p:extLst>
+      <p:ext uri="{BB962C8B-B14F-4D97-AF65-F5344CB8AC3E}">
+        <p14:creationId xmlns:p14="http://schemas.microsoft.com/office/powerpoint/2010/main" val="3328978715"/>
+      </p:ext>
+    </p:extLst>
   </p:cSld>
   <p:clrMapOvr>
     <a:masterClrMapping/>
@@ -2538,6 +2679,11 @@
         </p:txBody>
       </p:sp>
     </p:spTree>
+    <p:extLst>
+      <p:ext uri="{BB962C8B-B14F-4D97-AF65-F5344CB8AC3E}">
+        <p14:creationId xmlns:p14="http://schemas.microsoft.com/office/powerpoint/2010/main" val="2756220911"/>
+      </p:ext>
+    </p:extLst>
   </p:cSld>
   <p:clrMapOvr>
     <a:masterClrMapping/>
@@ -2620,6 +2766,11 @@
         </p:txBody>
       </p:sp>
     </p:spTree>
+    <p:extLst>
+      <p:ext uri="{BB962C8B-B14F-4D97-AF65-F5344CB8AC3E}">
+        <p14:creationId xmlns:p14="http://schemas.microsoft.com/office/powerpoint/2010/main" val="500008519"/>
+      </p:ext>
+    </p:extLst>
   </p:cSld>
   <p:clrMapOvr>
     <a:masterClrMapping/>
@@ -2702,6 +2853,11 @@
         </p:txBody>
       </p:sp>
     </p:spTree>
+    <p:extLst>
+      <p:ext uri="{BB962C8B-B14F-4D97-AF65-F5344CB8AC3E}">
+        <p14:creationId xmlns:p14="http://schemas.microsoft.com/office/powerpoint/2010/main" val="3617888975"/>
+      </p:ext>
+    </p:extLst>
   </p:cSld>
   <p:clrMapOvr>
     <a:masterClrMapping/>
@@ -2784,6 +2940,11 @@
         </p:txBody>
       </p:sp>
     </p:spTree>
+    <p:extLst>
+      <p:ext uri="{BB962C8B-B14F-4D97-AF65-F5344CB8AC3E}">
+        <p14:creationId xmlns:p14="http://schemas.microsoft.com/office/powerpoint/2010/main" val="3517462372"/>
+      </p:ext>
+    </p:extLst>
   </p:cSld>
   <p:clrMapOvr>
     <a:masterClrMapping/>
@@ -2866,6 +3027,11 @@
         </p:txBody>
       </p:sp>
     </p:spTree>
+    <p:extLst>
+      <p:ext uri="{BB962C8B-B14F-4D97-AF65-F5344CB8AC3E}">
+        <p14:creationId xmlns:p14="http://schemas.microsoft.com/office/powerpoint/2010/main" val="2927403833"/>
+      </p:ext>
+    </p:extLst>
   </p:cSld>
   <p:clrMapOvr>
     <a:masterClrMapping/>
@@ -2948,6 +3114,11 @@
         </p:txBody>
       </p:sp>
     </p:spTree>
+    <p:extLst>
+      <p:ext uri="{BB962C8B-B14F-4D97-AF65-F5344CB8AC3E}">
+        <p14:creationId xmlns:p14="http://schemas.microsoft.com/office/powerpoint/2010/main" val="870750717"/>
+      </p:ext>
+    </p:extLst>
   </p:cSld>
   <p:clrMapOvr>
     <a:masterClrMapping/>
@@ -3030,6 +3201,11 @@
         </p:txBody>
       </p:sp>
     </p:spTree>
+    <p:extLst>
+      <p:ext uri="{BB962C8B-B14F-4D97-AF65-F5344CB8AC3E}">
+        <p14:creationId xmlns:p14="http://schemas.microsoft.com/office/powerpoint/2010/main" val="713014808"/>
+      </p:ext>
+    </p:extLst>
   </p:cSld>
   <p:clrMapOvr>
     <a:masterClrMapping/>
@@ -3112,6 +3288,11 @@
         </p:txBody>
       </p:sp>
     </p:spTree>
+    <p:extLst>
+      <p:ext uri="{BB962C8B-B14F-4D97-AF65-F5344CB8AC3E}">
+        <p14:creationId xmlns:p14="http://schemas.microsoft.com/office/powerpoint/2010/main" val="2788153506"/>
+      </p:ext>
+    </p:extLst>
   </p:cSld>
   <p:clrMapOvr>
     <a:masterClrMapping/>
@@ -3194,6 +3375,11 @@
         </p:txBody>
       </p:sp>
     </p:spTree>
+    <p:extLst>
+      <p:ext uri="{BB962C8B-B14F-4D97-AF65-F5344CB8AC3E}">
+        <p14:creationId xmlns:p14="http://schemas.microsoft.com/office/powerpoint/2010/main" val="2675030584"/>
+      </p:ext>
+    </p:extLst>
   </p:cSld>
   <p:clrMapOvr>
     <a:masterClrMapping/>
@@ -3276,6 +3462,11 @@
         </p:txBody>
       </p:sp>
     </p:spTree>
+    <p:extLst>
+      <p:ext uri="{BB962C8B-B14F-4D97-AF65-F5344CB8AC3E}">
+        <p14:creationId xmlns:p14="http://schemas.microsoft.com/office/powerpoint/2010/main" val="1092433909"/>
+      </p:ext>
+    </p:extLst>
   </p:cSld>
   <p:clrMapOvr>
     <a:masterClrMapping/>
@@ -3358,6 +3549,11 @@
         </p:txBody>
       </p:sp>
     </p:spTree>
+    <p:extLst>
+      <p:ext uri="{BB962C8B-B14F-4D97-AF65-F5344CB8AC3E}">
+        <p14:creationId xmlns:p14="http://schemas.microsoft.com/office/powerpoint/2010/main" val="1232394216"/>
+      </p:ext>
+    </p:extLst>
   </p:cSld>
   <p:clrMapOvr>
     <a:masterClrMapping/>
@@ -3440,6 +3636,11 @@
         </p:txBody>
       </p:sp>
     </p:spTree>
+    <p:extLst>
+      <p:ext uri="{BB962C8B-B14F-4D97-AF65-F5344CB8AC3E}">
+        <p14:creationId xmlns:p14="http://schemas.microsoft.com/office/powerpoint/2010/main" val="1241378469"/>
+      </p:ext>
+    </p:extLst>
   </p:cSld>
   <p:clrMapOvr>
     <a:masterClrMapping/>
@@ -3522,6 +3723,11 @@
         </p:txBody>
       </p:sp>
     </p:spTree>
+    <p:extLst>
+      <p:ext uri="{BB962C8B-B14F-4D97-AF65-F5344CB8AC3E}">
+        <p14:creationId xmlns:p14="http://schemas.microsoft.com/office/powerpoint/2010/main" val="290973666"/>
+      </p:ext>
+    </p:extLst>
   </p:cSld>
   <p:clrMapOvr>
     <a:masterClrMapping/>
@@ -3711,7 +3917,7 @@
             <a:fld id="{1D8BD707-D9CF-40AE-B4C6-C98DA3205C09}" type="datetimeFigureOut">
               <a:rPr lang="en-US" smtClean="0"/>
               <a:pPr/>
-              <a:t>2/9/2015</a:t>
+              <a:t>2/7/2016</a:t>
             </a:fld>
             <a:endParaRPr lang="en-US"/>
           </a:p>
@@ -3878,7 +4084,7 @@
             <a:fld id="{1D8BD707-D9CF-40AE-B4C6-C98DA3205C09}" type="datetimeFigureOut">
               <a:rPr lang="en-US" smtClean="0"/>
               <a:pPr/>
-              <a:t>2/9/2015</a:t>
+              <a:t>2/7/2016</a:t>
             </a:fld>
             <a:endParaRPr lang="en-US"/>
           </a:p>
@@ -4055,7 +4261,7 @@
             <a:fld id="{1D8BD707-D9CF-40AE-B4C6-C98DA3205C09}" type="datetimeFigureOut">
               <a:rPr lang="en-US" smtClean="0"/>
               <a:pPr/>
-              <a:t>2/9/2015</a:t>
+              <a:t>2/7/2016</a:t>
             </a:fld>
             <a:endParaRPr lang="en-US"/>
           </a:p>
@@ -4222,7 +4428,7 @@
             <a:fld id="{1D8BD707-D9CF-40AE-B4C6-C98DA3205C09}" type="datetimeFigureOut">
               <a:rPr lang="en-US" smtClean="0"/>
               <a:pPr/>
-              <a:t>2/9/2015</a:t>
+              <a:t>2/7/2016</a:t>
             </a:fld>
             <a:endParaRPr lang="en-US"/>
           </a:p>
@@ -4465,7 +4671,7 @@
             <a:fld id="{1D8BD707-D9CF-40AE-B4C6-C98DA3205C09}" type="datetimeFigureOut">
               <a:rPr lang="en-US" smtClean="0"/>
               <a:pPr/>
-              <a:t>2/9/2015</a:t>
+              <a:t>2/7/2016</a:t>
             </a:fld>
             <a:endParaRPr lang="en-US"/>
           </a:p>
@@ -4750,7 +4956,7 @@
             <a:fld id="{1D8BD707-D9CF-40AE-B4C6-C98DA3205C09}" type="datetimeFigureOut">
               <a:rPr lang="en-US" smtClean="0"/>
               <a:pPr/>
-              <a:t>2/9/2015</a:t>
+              <a:t>2/7/2016</a:t>
             </a:fld>
             <a:endParaRPr lang="en-US"/>
           </a:p>
@@ -5169,7 +5375,7 @@
             <a:fld id="{1D8BD707-D9CF-40AE-B4C6-C98DA3205C09}" type="datetimeFigureOut">
               <a:rPr lang="en-US" smtClean="0"/>
               <a:pPr/>
-              <a:t>2/9/2015</a:t>
+              <a:t>2/7/2016</a:t>
             </a:fld>
             <a:endParaRPr lang="en-US"/>
           </a:p>
@@ -5284,7 +5490,7 @@
             <a:fld id="{1D8BD707-D9CF-40AE-B4C6-C98DA3205C09}" type="datetimeFigureOut">
               <a:rPr lang="en-US" smtClean="0"/>
               <a:pPr/>
-              <a:t>2/9/2015</a:t>
+              <a:t>2/7/2016</a:t>
             </a:fld>
             <a:endParaRPr lang="en-US"/>
           </a:p>
@@ -5376,7 +5582,7 @@
             <a:fld id="{1D8BD707-D9CF-40AE-B4C6-C98DA3205C09}" type="datetimeFigureOut">
               <a:rPr lang="en-US" smtClean="0"/>
               <a:pPr/>
-              <a:t>2/9/2015</a:t>
+              <a:t>2/7/2016</a:t>
             </a:fld>
             <a:endParaRPr lang="en-US"/>
           </a:p>
@@ -5650,7 +5856,7 @@
             <a:fld id="{1D8BD707-D9CF-40AE-B4C6-C98DA3205C09}" type="datetimeFigureOut">
               <a:rPr lang="en-US" smtClean="0"/>
               <a:pPr/>
-              <a:t>2/9/2015</a:t>
+              <a:t>2/7/2016</a:t>
             </a:fld>
             <a:endParaRPr lang="en-US"/>
           </a:p>
@@ -5900,7 +6106,7 @@
             <a:fld id="{1D8BD707-D9CF-40AE-B4C6-C98DA3205C09}" type="datetimeFigureOut">
               <a:rPr lang="en-US" smtClean="0"/>
               <a:pPr/>
-              <a:t>2/9/2015</a:t>
+              <a:t>2/7/2016</a:t>
             </a:fld>
             <a:endParaRPr lang="en-US"/>
           </a:p>
@@ -6110,7 +6316,7 @@
             <a:fld id="{1D8BD707-D9CF-40AE-B4C6-C98DA3205C09}" type="datetimeFigureOut">
               <a:rPr lang="en-US" smtClean="0"/>
               <a:pPr/>
-              <a:t>2/9/2015</a:t>
+              <a:t>2/7/2016</a:t>
             </a:fld>
             <a:endParaRPr lang="en-US"/>
           </a:p>
@@ -7276,7 +7482,15 @@
           <a:p>
             <a:r>
               <a:rPr lang="en-US" dirty="0" smtClean="0"/>
-              <a:t>An example of the hypermetric distribution from the genomics literature:</a:t>
+              <a:t>An example of the </a:t>
+            </a:r>
+            <a:r>
+              <a:rPr lang="en-US" dirty="0" smtClean="0"/>
+              <a:t>hypergeometric </a:t>
+            </a:r>
+            <a:r>
+              <a:rPr lang="en-US" dirty="0" smtClean="0"/>
+              <a:t>distribution from the genomics literature:</a:t>
             </a:r>
           </a:p>
           <a:p>
@@ -12398,9 +12612,59 @@
         </p:xfrm>
         <a:graphic>
           <a:graphicData uri="http://schemas.openxmlformats.org/presentationml/2006/ole">
-            <p:oleObj spid="_x0000_s2050" name="Equation" r:id="rId5" imgW="749160" imgH="457200" progId="Equation.3">
-              <p:embed/>
-            </p:oleObj>
+            <mc:AlternateContent xmlns:mc="http://schemas.openxmlformats.org/markup-compatibility/2006">
+              <mc:Choice xmlns:v="urn:schemas-microsoft-com:vml" Requires="v">
+                <p:oleObj spid="_x0000_s2051" name="Equation" r:id="rId5" imgW="749160" imgH="457200" progId="Equation.3">
+                  <p:embed/>
+                </p:oleObj>
+              </mc:Choice>
+              <mc:Fallback>
+                <p:oleObj name="Equation" r:id="rId5" imgW="749160" imgH="457200" progId="Equation.3">
+                  <p:embed/>
+                  <p:pic>
+                    <p:nvPicPr>
+                      <p:cNvPr id="0" name="Picture 2"/>
+                      <p:cNvPicPr>
+                        <a:picLocks noChangeAspect="1" noChangeArrowheads="1"/>
+                      </p:cNvPicPr>
+                      <p:nvPr/>
+                    </p:nvPicPr>
+                    <p:blipFill>
+                      <a:blip r:embed="rId6">
+                        <a:extLst>
+                          <a:ext uri="{28A0092B-C50C-407E-A947-70E740481C1C}">
+                            <a14:useLocalDpi xmlns:a14="http://schemas.microsoft.com/office/drawing/2010/main" val="0"/>
+                          </a:ext>
+                        </a:extLst>
+                      </a:blip>
+                      <a:srcRect/>
+                      <a:stretch>
+                        <a:fillRect/>
+                      </a:stretch>
+                    </p:blipFill>
+                    <p:spPr bwMode="auto">
+                      <a:xfrm>
+                        <a:off x="4876800" y="3810000"/>
+                        <a:ext cx="1748367" cy="1066800"/>
+                      </a:xfrm>
+                      <a:prstGeom prst="rect">
+                        <a:avLst/>
+                      </a:prstGeom>
+                      <a:noFill/>
+                      <a:extLst>
+                        <a:ext uri="{909E8E84-426E-40DD-AFC4-6F175D3DCCD1}">
+                          <a14:hiddenFill xmlns:a14="http://schemas.microsoft.com/office/drawing/2010/main">
+                            <a:solidFill>
+                              <a:srgbClr val="FFFFFF"/>
+                            </a:solidFill>
+                          </a14:hiddenFill>
+                        </a:ext>
+                      </a:extLst>
+                    </p:spPr>
+                  </p:pic>
+                </p:oleObj>
+              </mc:Fallback>
+            </mc:AlternateContent>
           </a:graphicData>
         </a:graphic>
       </p:graphicFrame>
@@ -12503,7 +12767,7 @@
           <p:nvPr/>
         </p:nvPicPr>
         <p:blipFill>
-          <a:blip r:embed="rId6" cstate="print"/>
+          <a:blip r:embed="rId7" cstate="print"/>
           <a:srcRect/>
           <a:stretch>
             <a:fillRect/>
@@ -13912,44 +14176,6 @@
             <a:r>
               <a:rPr lang="en-US" dirty="0" smtClean="0"/>
               <a:t> but you have to input the matrix…</a:t>
-            </a:r>
-            <a:endParaRPr lang="en-US" dirty="0"/>
-          </a:p>
-        </p:txBody>
-      </p:sp>
-      <p:sp>
-        <p:nvSpPr>
-          <p:cNvPr id="9" name="TextBox 8"/>
-          <p:cNvSpPr txBox="1"/>
-          <p:nvPr/>
-        </p:nvSpPr>
-        <p:spPr>
-          <a:xfrm>
-            <a:off x="609600" y="5181600"/>
-            <a:ext cx="5727209" cy="369332"/>
-          </a:xfrm>
-          <a:prstGeom prst="rect">
-            <a:avLst/>
-          </a:prstGeom>
-          <a:noFill/>
-        </p:spPr>
-        <p:txBody>
-          <a:bodyPr wrap="none" rtlCol="0">
-            <a:spAutoFit/>
-          </a:bodyPr>
-          <a:lstStyle/>
-          <a:p>
-            <a:r>
-              <a:rPr lang="en-US" dirty="0" smtClean="0"/>
-              <a:t>I find the </a:t>
-            </a:r>
-            <a:r>
-              <a:rPr lang="en-US" dirty="0" err="1" smtClean="0"/>
-              <a:t>dyper</a:t>
-            </a:r>
-            <a:r>
-              <a:rPr lang="en-US" dirty="0" smtClean="0"/>
-              <a:t>(…) function easier to think about and use….</a:t>
             </a:r>
             <a:endParaRPr lang="en-US" dirty="0"/>
           </a:p>

--- a/classes/stats2016/Lecture07.pptx
+++ b/classes/stats2016/Lecture07.pptx
@@ -245,7 +245,7 @@
             <a:fld id="{EED6FE97-C8F6-414A-BAD9-185DD18CF7E9}" type="datetimeFigureOut">
               <a:rPr lang="en-US" smtClean="0"/>
               <a:pPr/>
-              <a:t>2/7/2016</a:t>
+              <a:t>2/9/2016</a:t>
             </a:fld>
             <a:endParaRPr lang="en-US"/>
           </a:p>
@@ -3917,7 +3917,7 @@
             <a:fld id="{1D8BD707-D9CF-40AE-B4C6-C98DA3205C09}" type="datetimeFigureOut">
               <a:rPr lang="en-US" smtClean="0"/>
               <a:pPr/>
-              <a:t>2/7/2016</a:t>
+              <a:t>2/9/2016</a:t>
             </a:fld>
             <a:endParaRPr lang="en-US"/>
           </a:p>
@@ -4084,7 +4084,7 @@
             <a:fld id="{1D8BD707-D9CF-40AE-B4C6-C98DA3205C09}" type="datetimeFigureOut">
               <a:rPr lang="en-US" smtClean="0"/>
               <a:pPr/>
-              <a:t>2/7/2016</a:t>
+              <a:t>2/9/2016</a:t>
             </a:fld>
             <a:endParaRPr lang="en-US"/>
           </a:p>
@@ -4261,7 +4261,7 @@
             <a:fld id="{1D8BD707-D9CF-40AE-B4C6-C98DA3205C09}" type="datetimeFigureOut">
               <a:rPr lang="en-US" smtClean="0"/>
               <a:pPr/>
-              <a:t>2/7/2016</a:t>
+              <a:t>2/9/2016</a:t>
             </a:fld>
             <a:endParaRPr lang="en-US"/>
           </a:p>
@@ -4428,7 +4428,7 @@
             <a:fld id="{1D8BD707-D9CF-40AE-B4C6-C98DA3205C09}" type="datetimeFigureOut">
               <a:rPr lang="en-US" smtClean="0"/>
               <a:pPr/>
-              <a:t>2/7/2016</a:t>
+              <a:t>2/9/2016</a:t>
             </a:fld>
             <a:endParaRPr lang="en-US"/>
           </a:p>
@@ -4671,7 +4671,7 @@
             <a:fld id="{1D8BD707-D9CF-40AE-B4C6-C98DA3205C09}" type="datetimeFigureOut">
               <a:rPr lang="en-US" smtClean="0"/>
               <a:pPr/>
-              <a:t>2/7/2016</a:t>
+              <a:t>2/9/2016</a:t>
             </a:fld>
             <a:endParaRPr lang="en-US"/>
           </a:p>
@@ -4956,7 +4956,7 @@
             <a:fld id="{1D8BD707-D9CF-40AE-B4C6-C98DA3205C09}" type="datetimeFigureOut">
               <a:rPr lang="en-US" smtClean="0"/>
               <a:pPr/>
-              <a:t>2/7/2016</a:t>
+              <a:t>2/9/2016</a:t>
             </a:fld>
             <a:endParaRPr lang="en-US"/>
           </a:p>
@@ -5375,7 +5375,7 @@
             <a:fld id="{1D8BD707-D9CF-40AE-B4C6-C98DA3205C09}" type="datetimeFigureOut">
               <a:rPr lang="en-US" smtClean="0"/>
               <a:pPr/>
-              <a:t>2/7/2016</a:t>
+              <a:t>2/9/2016</a:t>
             </a:fld>
             <a:endParaRPr lang="en-US"/>
           </a:p>
@@ -5490,7 +5490,7 @@
             <a:fld id="{1D8BD707-D9CF-40AE-B4C6-C98DA3205C09}" type="datetimeFigureOut">
               <a:rPr lang="en-US" smtClean="0"/>
               <a:pPr/>
-              <a:t>2/7/2016</a:t>
+              <a:t>2/9/2016</a:t>
             </a:fld>
             <a:endParaRPr lang="en-US"/>
           </a:p>
@@ -5582,7 +5582,7 @@
             <a:fld id="{1D8BD707-D9CF-40AE-B4C6-C98DA3205C09}" type="datetimeFigureOut">
               <a:rPr lang="en-US" smtClean="0"/>
               <a:pPr/>
-              <a:t>2/7/2016</a:t>
+              <a:t>2/9/2016</a:t>
             </a:fld>
             <a:endParaRPr lang="en-US"/>
           </a:p>
@@ -5856,7 +5856,7 @@
             <a:fld id="{1D8BD707-D9CF-40AE-B4C6-C98DA3205C09}" type="datetimeFigureOut">
               <a:rPr lang="en-US" smtClean="0"/>
               <a:pPr/>
-              <a:t>2/7/2016</a:t>
+              <a:t>2/9/2016</a:t>
             </a:fld>
             <a:endParaRPr lang="en-US"/>
           </a:p>
@@ -6106,7 +6106,7 @@
             <a:fld id="{1D8BD707-D9CF-40AE-B4C6-C98DA3205C09}" type="datetimeFigureOut">
               <a:rPr lang="en-US" smtClean="0"/>
               <a:pPr/>
-              <a:t>2/7/2016</a:t>
+              <a:t>2/9/2016</a:t>
             </a:fld>
             <a:endParaRPr lang="en-US"/>
           </a:p>
@@ -6316,7 +6316,7 @@
             <a:fld id="{1D8BD707-D9CF-40AE-B4C6-C98DA3205C09}" type="datetimeFigureOut">
               <a:rPr lang="en-US" smtClean="0"/>
               <a:pPr/>
-              <a:t>2/7/2016</a:t>
+              <a:t>2/9/2016</a:t>
             </a:fld>
             <a:endParaRPr lang="en-US"/>
           </a:p>
@@ -7482,15 +7482,7 @@
           <a:p>
             <a:r>
               <a:rPr lang="en-US" dirty="0" smtClean="0"/>
-              <a:t>An example of the </a:t>
-            </a:r>
-            <a:r>
-              <a:rPr lang="en-US" dirty="0" smtClean="0"/>
-              <a:t>hypergeometric </a:t>
-            </a:r>
-            <a:r>
-              <a:rPr lang="en-US" dirty="0" smtClean="0"/>
-              <a:t>distribution from the genomics literature:</a:t>
+              <a:t>An example of the hypergeometric distribution from the genomics literature:</a:t>
             </a:r>
           </a:p>
           <a:p>
@@ -10508,7 +10500,7 @@
         <p:spPr>
           <a:xfrm>
             <a:off x="76200" y="6019800"/>
-            <a:ext cx="9218806" cy="646331"/>
+            <a:ext cx="9173793" cy="615553"/>
           </a:xfrm>
           <a:prstGeom prst="rect">
             <a:avLst/>
@@ -10528,10 +10520,10 @@
           </a:p>
           <a:p>
             <a:r>
-              <a:rPr lang="en-US" dirty="0" smtClean="0"/>
-              <a:t>http://www.the-idea-shop.com/article/216/deriving-the-poisson-distribution-from-the-binomial</a:t>
-            </a:r>
-            <a:endParaRPr lang="en-US" dirty="0"/>
+              <a:rPr lang="en-US" sz="1600" dirty="0"/>
+              <a:t>https://probabilityandstats.wordpress.com/2011/08/18/poisson-as-a-limiting-case-of-binomial-distribution/</a:t>
+            </a:r>
+            <a:endParaRPr lang="en-US" sz="1600" dirty="0"/>
           </a:p>
         </p:txBody>
       </p:sp>
@@ -12614,7 +12606,7 @@
           <a:graphicData uri="http://schemas.openxmlformats.org/presentationml/2006/ole">
             <mc:AlternateContent xmlns:mc="http://schemas.openxmlformats.org/markup-compatibility/2006">
               <mc:Choice xmlns:v="urn:schemas-microsoft-com:vml" Requires="v">
-                <p:oleObj spid="_x0000_s2051" name="Equation" r:id="rId5" imgW="749160" imgH="457200" progId="Equation.3">
+                <p:oleObj spid="_x0000_s2052" name="Equation" r:id="rId5" imgW="749160" imgH="457200" progId="Equation.3">
                   <p:embed/>
                 </p:oleObj>
               </mc:Choice>
